--- a/doc/information retrieval iriS System.pptx
+++ b/doc/information retrieval iriS System.pptx
@@ -3889,6 +3889,32 @@
           </a:p>
         </p:txBody>
       </p:sp>
+      <p:pic>
+        <p:nvPicPr>
+          <p:cNvPr id="2052" name="Picture 4" descr="E:\KULIAH!!!!!!\Kuliah Semester 7\STBI\IRIS\iris.jpg"/>
+          <p:cNvPicPr>
+            <a:picLocks noChangeAspect="1" noChangeArrowheads="1"/>
+          </p:cNvPicPr>
+          <p:nvPr/>
+        </p:nvPicPr>
+        <p:blipFill>
+          <a:blip r:embed="rId3"/>
+          <a:srcRect/>
+          <a:stretch>
+            <a:fillRect/>
+          </a:stretch>
+        </p:blipFill>
+        <p:spPr bwMode="auto">
+          <a:xfrm>
+            <a:off x="2743199" y="1066801"/>
+            <a:ext cx="3886201" cy="2285999"/>
+          </a:xfrm>
+          <a:prstGeom prst="rect">
+            <a:avLst/>
+          </a:prstGeom>
+          <a:noFill/>
+        </p:spPr>
+      </p:pic>
     </p:spTree>
   </p:cSld>
   <p:clrMapOvr>
@@ -4088,15 +4114,38 @@
                   <a:srgbClr val="FFFF00"/>
                 </a:solidFill>
               </a:rPr>
+              <a:t> GUI</a:t>
+            </a:r>
+          </a:p>
+          <a:p>
+            <a:pPr>
+              <a:spcBef>
+                <a:spcPts val="0"/>
+              </a:spcBef>
+            </a:pPr>
+            <a:r>
+              <a:rPr lang="en-US" sz="2800" b="1" dirty="0" err="1" smtClean="0">
+                <a:solidFill>
+                  <a:srgbClr val="FFFF00"/>
+                </a:solidFill>
+              </a:rPr>
+              <a:t>Kelas</a:t>
+            </a:r>
+            <a:r>
+              <a:rPr lang="en-US" sz="2800" b="1" dirty="0" smtClean="0">
+                <a:solidFill>
+                  <a:srgbClr val="FFFF00"/>
+                </a:solidFill>
+              </a:rPr>
               <a:t> </a:t>
             </a:r>
             <a:r>
-              <a:rPr lang="en-US" sz="2800" b="1" dirty="0" smtClean="0">
-                <a:solidFill>
-                  <a:srgbClr val="FFFF00"/>
-                </a:solidFill>
-              </a:rPr>
-              <a:t>GUI</a:t>
+              <a:rPr lang="en-US" sz="2800" b="1" dirty="0" err="1" smtClean="0">
+                <a:solidFill>
+                  <a:srgbClr val="FFFF00"/>
+                </a:solidFill>
+              </a:rPr>
+              <a:t>InvertedFile</a:t>
             </a:r>
             <a:endParaRPr lang="en-US" sz="2800" dirty="0" smtClean="0">
               <a:solidFill>
@@ -4132,7 +4181,7 @@
                   <a:srgbClr val="FFFF00"/>
                 </a:solidFill>
               </a:rPr>
-              <a:t>RelJud</a:t>
+              <a:t>IRSystem</a:t>
             </a:r>
             <a:endParaRPr lang="en-US" sz="2800" dirty="0" smtClean="0">
               <a:solidFill>
@@ -4141,78 +4190,6 @@
             </a:endParaRPr>
           </a:p>
           <a:p>
-            <a:pPr>
-              <a:spcBef>
-                <a:spcPts val="0"/>
-              </a:spcBef>
-            </a:pPr>
-            <a:r>
-              <a:rPr lang="en-US" sz="2800" b="1" dirty="0" err="1" smtClean="0">
-                <a:solidFill>
-                  <a:srgbClr val="FFFF00"/>
-                </a:solidFill>
-              </a:rPr>
-              <a:t>Kelas</a:t>
-            </a:r>
-            <a:r>
-              <a:rPr lang="en-US" sz="2800" b="1" dirty="0" smtClean="0">
-                <a:solidFill>
-                  <a:srgbClr val="FFFF00"/>
-                </a:solidFill>
-              </a:rPr>
-              <a:t> </a:t>
-            </a:r>
-            <a:r>
-              <a:rPr lang="en-US" sz="2800" b="1" dirty="0" err="1" smtClean="0">
-                <a:solidFill>
-                  <a:srgbClr val="FFFF00"/>
-                </a:solidFill>
-              </a:rPr>
-              <a:t>InvertedFile</a:t>
-            </a:r>
-            <a:endParaRPr lang="en-US" sz="2800" dirty="0" smtClean="0">
-              <a:solidFill>
-                <a:srgbClr val="FFFF00"/>
-              </a:solidFill>
-            </a:endParaRPr>
-          </a:p>
-          <a:p>
-            <a:pPr>
-              <a:spcBef>
-                <a:spcPts val="0"/>
-              </a:spcBef>
-            </a:pPr>
-            <a:r>
-              <a:rPr lang="en-US" sz="2800" b="1" dirty="0" err="1" smtClean="0">
-                <a:solidFill>
-                  <a:srgbClr val="FFFF00"/>
-                </a:solidFill>
-              </a:rPr>
-              <a:t>Kelas</a:t>
-            </a:r>
-            <a:r>
-              <a:rPr lang="en-US" sz="2800" b="1" dirty="0" smtClean="0">
-                <a:solidFill>
-                  <a:srgbClr val="FFFF00"/>
-                </a:solidFill>
-              </a:rPr>
-              <a:t> </a:t>
-            </a:r>
-            <a:r>
-              <a:rPr lang="en-US" sz="2800" b="1" dirty="0" err="1" smtClean="0">
-                <a:solidFill>
-                  <a:srgbClr val="FFFF00"/>
-                </a:solidFill>
-              </a:rPr>
-              <a:t>IRSystem</a:t>
-            </a:r>
-            <a:endParaRPr lang="en-US" sz="2800" dirty="0" smtClean="0">
-              <a:solidFill>
-                <a:srgbClr val="FFFF00"/>
-              </a:solidFill>
-            </a:endParaRPr>
-          </a:p>
-          <a:p>
             <a:pPr lvl="1">
               <a:spcBef>
                 <a:spcPts val="0"/>
@@ -4328,7 +4305,7 @@
                   <a:srgbClr val="FFFF00"/>
                 </a:solidFill>
               </a:rPr>
-              <a:t>RelJud,boolean</a:t>
+              <a:t>Point,boolean</a:t>
             </a:r>
             <a:r>
               <a:rPr lang="en-US" sz="2400" dirty="0" smtClean="0">
@@ -4380,7 +4357,23 @@
                   <a:srgbClr val="FFFF00"/>
                 </a:solidFill>
               </a:rPr>
-              <a:t>, Boolean&gt; </a:t>
+              <a:t>, </a:t>
+            </a:r>
+            <a:r>
+              <a:rPr lang="en-US" sz="2400" dirty="0" err="1" smtClean="0">
+                <a:solidFill>
+                  <a:srgbClr val="FFFF00"/>
+                </a:solidFill>
+              </a:rPr>
+              <a:t>boolean</a:t>
+            </a:r>
+            <a:r>
+              <a:rPr lang="en-US" sz="2400" dirty="0" smtClean="0">
+                <a:solidFill>
+                  <a:srgbClr val="FFFF00"/>
+                </a:solidFill>
+              </a:rPr>
+              <a:t>&gt; </a:t>
             </a:r>
             <a:r>
               <a:rPr lang="en-US" sz="2400" b="1" dirty="0" err="1" smtClean="0">
